--- a/raw_ppt/archi.pptx
+++ b/raw_ppt/archi.pptx
@@ -3360,7 +3360,7 @@
         </p:nvSpPr>
         <p:spPr>
           <a:xfrm>
-            <a:off x="2363786" y="377829"/>
+            <a:off x="2429101" y="1161600"/>
             <a:ext cx="1528650" cy="961114"/>
           </a:xfrm>
           <a:prstGeom prst="rect">
@@ -3429,7 +3429,7 @@
         </p:nvSpPr>
         <p:spPr>
           <a:xfrm>
-            <a:off x="2363786" y="1724486"/>
+            <a:off x="2429101" y="2508257"/>
             <a:ext cx="1528650" cy="844543"/>
           </a:xfrm>
           <a:prstGeom prst="rect">
@@ -3493,7 +3493,7 @@
         </p:nvSpPr>
         <p:spPr>
           <a:xfrm>
-            <a:off x="326569" y="377829"/>
+            <a:off x="391884" y="1161600"/>
             <a:ext cx="1861459" cy="2191200"/>
           </a:xfrm>
           <a:prstGeom prst="verticalScroll">
@@ -3612,7 +3612,7 @@
         </p:nvSpPr>
         <p:spPr>
           <a:xfrm>
-            <a:off x="4068194" y="377829"/>
+            <a:off x="4133509" y="1161600"/>
             <a:ext cx="1861459" cy="2191200"/>
           </a:xfrm>
           <a:prstGeom prst="verticalScroll">
@@ -3649,7 +3649,25 @@
           </a:bodyPr>
           <a:lstStyle/>
           <a:p>
-            <a:endParaRPr lang="en-US" dirty="0"/>
+            <a:r>
+              <a:rPr lang="en-US" sz="1400" dirty="0"/>
+              <a:t>Race Report:</a:t>
+            </a:r>
+          </a:p>
+          <a:p>
+            <a:endParaRPr lang="en-US" sz="1400" dirty="0"/>
+          </a:p>
+          <a:p>
+            <a:r>
+              <a:rPr lang="en-US" sz="1400" dirty="0"/>
+              <a:t>T1(input1):Read at xxx</a:t>
+            </a:r>
+          </a:p>
+          <a:p>
+            <a:r>
+              <a:rPr lang="en-US" sz="1400" dirty="0"/>
+              <a:t>T2(input2):Write at xxx</a:t>
+            </a:r>
           </a:p>
         </p:txBody>
       </p:sp>
@@ -3667,7 +3685,7 @@
         </p:nvSpPr>
         <p:spPr>
           <a:xfrm>
-            <a:off x="5929653" y="992872"/>
+            <a:off x="5994968" y="1776643"/>
             <a:ext cx="1528650" cy="961114"/>
           </a:xfrm>
           <a:prstGeom prst="rect">
@@ -3733,7 +3751,7 @@
         </p:nvSpPr>
         <p:spPr>
           <a:xfrm>
-            <a:off x="7791112" y="377829"/>
+            <a:off x="7856427" y="1161600"/>
             <a:ext cx="1528650" cy="961114"/>
           </a:xfrm>
           <a:prstGeom prst="rect">
@@ -3771,7 +3789,7 @@
             <a:pPr algn="ctr"/>
             <a:r>
               <a:rPr lang="en-US" dirty="0"/>
-              <a:t>???</a:t>
+              <a:t>Mem</a:t>
             </a:r>
           </a:p>
           <a:p>
@@ -3798,7 +3816,7 @@
         </p:nvSpPr>
         <p:spPr>
           <a:xfrm>
-            <a:off x="7809819" y="1724486"/>
+            <a:off x="7875134" y="2508257"/>
             <a:ext cx="1528650" cy="961114"/>
           </a:xfrm>
           <a:prstGeom prst="rect">
@@ -3855,8 +3873,8 @@
         </p:nvSpPr>
         <p:spPr>
           <a:xfrm>
-            <a:off x="9689985" y="377829"/>
-            <a:ext cx="1861459" cy="2191200"/>
+            <a:off x="9755301" y="1161600"/>
+            <a:ext cx="1946844" cy="2191200"/>
           </a:xfrm>
           <a:prstGeom prst="verticalScroll">
             <a:avLst/>
@@ -3888,7 +3906,7 @@
         </p:style>
         <p:txBody>
           <a:bodyPr rtlCol="0" anchor="t" anchorCtr="0">
-            <a:normAutofit fontScale="85000" lnSpcReduction="10000"/>
+            <a:normAutofit fontScale="77500" lnSpcReduction="20000"/>
           </a:bodyPr>
           <a:lstStyle/>
           <a:p>
@@ -3898,44 +3916,711 @@
             </a:r>
           </a:p>
           <a:p>
-            <a:endParaRPr lang="en-US" dirty="0"/>
-          </a:p>
-          <a:p>
             <a:r>
               <a:rPr lang="en-US" dirty="0"/>
-              <a:t>T1: Read at xxx</a:t>
+              <a:t>T1(input1):Read at xxx</a:t>
             </a:r>
           </a:p>
           <a:p>
             <a:r>
               <a:rPr lang="en-US" dirty="0"/>
-              <a:t>T2: Write at</a:t>
+              <a:t>T2(input2):Write at XXX</a:t>
             </a:r>
           </a:p>
           <a:p>
             <a:r>
               <a:rPr lang="en-US" dirty="0"/>
-              <a:t>XXX</a:t>
-            </a:r>
-          </a:p>
-          <a:p>
+              <a:t>*</a:t>
+            </a:r>
             <a:r>
               <a:rPr lang="en-US" dirty="0" err="1"/>
               <a:t>Tx</a:t>
             </a:r>
             <a:r>
               <a:rPr lang="en-US" dirty="0"/>
-              <a:t>: Possible victim inputs-</a:t>
-            </a:r>
-          </a:p>
-          <a:p>
+              <a:t>: Possible victim inputs - Socket(..,..,..)</a:t>
+            </a:r>
+          </a:p>
+          <a:p>
+            <a:r>
+              <a:rPr lang="en-US" dirty="0" err="1"/>
+              <a:t>Vul</a:t>
+            </a:r>
             <a:r>
               <a:rPr lang="en-US" dirty="0"/>
-              <a:t>Socket(..,..,..)</a:t>
+              <a:t>: Possible null-</a:t>
+            </a:r>
+            <a:r>
+              <a:rPr lang="en-US" dirty="0" err="1"/>
+              <a:t>ptr</a:t>
+            </a:r>
+            <a:r>
+              <a:rPr lang="en-US" dirty="0"/>
+              <a:t> de-ref</a:t>
             </a:r>
           </a:p>
           <a:p>
             <a:endParaRPr lang="en-US" dirty="0"/>
+          </a:p>
+        </p:txBody>
+      </p:sp>
+      <p:sp>
+        <p:nvSpPr>
+          <p:cNvPr id="14" name="箭头: 下 13">
+            <a:extLst>
+              <a:ext uri="{FF2B5EF4-FFF2-40B4-BE49-F238E27FC236}">
+                <a16:creationId xmlns:a16="http://schemas.microsoft.com/office/drawing/2014/main" id="{8CB534A9-D951-462E-B741-F299DCDF03BD}"/>
+              </a:ext>
+            </a:extLst>
+          </p:cNvPr>
+          <p:cNvSpPr/>
+          <p:nvPr/>
+        </p:nvSpPr>
+        <p:spPr>
+          <a:xfrm rot="16200000">
+            <a:off x="2146078" y="1561893"/>
+            <a:ext cx="179402" cy="386644"/>
+          </a:xfrm>
+          <a:prstGeom prst="downArrow">
+            <a:avLst/>
+          </a:prstGeom>
+          <a:solidFill>
+            <a:schemeClr val="tx1">
+              <a:lumMod val="50000"/>
+              <a:lumOff val="50000"/>
+            </a:schemeClr>
+          </a:solidFill>
+          <a:ln>
+            <a:noFill/>
+          </a:ln>
+        </p:spPr>
+        <p:style>
+          <a:lnRef idx="2">
+            <a:schemeClr val="accent1">
+              <a:shade val="50000"/>
+            </a:schemeClr>
+          </a:lnRef>
+          <a:fillRef idx="1">
+            <a:schemeClr val="accent1"/>
+          </a:fillRef>
+          <a:effectRef idx="0">
+            <a:schemeClr val="accent1"/>
+          </a:effectRef>
+          <a:fontRef idx="minor">
+            <a:schemeClr val="lt1"/>
+          </a:fontRef>
+        </p:style>
+        <p:txBody>
+          <a:bodyPr rtlCol="0" anchor="ctr"/>
+          <a:lstStyle/>
+          <a:p>
+            <a:pPr algn="ctr"/>
+            <a:endParaRPr lang="en-US"/>
+          </a:p>
+        </p:txBody>
+      </p:sp>
+      <p:sp>
+        <p:nvSpPr>
+          <p:cNvPr id="15" name="箭头: 下 14">
+            <a:extLst>
+              <a:ext uri="{FF2B5EF4-FFF2-40B4-BE49-F238E27FC236}">
+                <a16:creationId xmlns:a16="http://schemas.microsoft.com/office/drawing/2014/main" id="{E9379263-96DC-4283-BB8F-5C5C758A33F6}"/>
+              </a:ext>
+            </a:extLst>
+          </p:cNvPr>
+          <p:cNvSpPr/>
+          <p:nvPr/>
+        </p:nvSpPr>
+        <p:spPr>
+          <a:xfrm>
+            <a:off x="3068935" y="2170801"/>
+            <a:ext cx="200166" cy="289368"/>
+          </a:xfrm>
+          <a:prstGeom prst="downArrow">
+            <a:avLst/>
+          </a:prstGeom>
+          <a:solidFill>
+            <a:schemeClr val="tx1">
+              <a:lumMod val="50000"/>
+              <a:lumOff val="50000"/>
+            </a:schemeClr>
+          </a:solidFill>
+          <a:ln>
+            <a:noFill/>
+          </a:ln>
+        </p:spPr>
+        <p:style>
+          <a:lnRef idx="2">
+            <a:schemeClr val="accent1">
+              <a:shade val="50000"/>
+            </a:schemeClr>
+          </a:lnRef>
+          <a:fillRef idx="1">
+            <a:schemeClr val="accent1"/>
+          </a:fillRef>
+          <a:effectRef idx="0">
+            <a:schemeClr val="accent1"/>
+          </a:effectRef>
+          <a:fontRef idx="minor">
+            <a:schemeClr val="lt1"/>
+          </a:fontRef>
+        </p:style>
+        <p:txBody>
+          <a:bodyPr rtlCol="0" anchor="ctr"/>
+          <a:lstStyle/>
+          <a:p>
+            <a:pPr algn="ctr"/>
+            <a:endParaRPr lang="en-US"/>
+          </a:p>
+        </p:txBody>
+      </p:sp>
+      <p:sp>
+        <p:nvSpPr>
+          <p:cNvPr id="16" name="箭头: 下 15">
+            <a:extLst>
+              <a:ext uri="{FF2B5EF4-FFF2-40B4-BE49-F238E27FC236}">
+                <a16:creationId xmlns:a16="http://schemas.microsoft.com/office/drawing/2014/main" id="{E54D61D0-BA0E-4BA9-8119-A1758F1ADC0D}"/>
+              </a:ext>
+            </a:extLst>
+          </p:cNvPr>
+          <p:cNvSpPr/>
+          <p:nvPr/>
+        </p:nvSpPr>
+        <p:spPr>
+          <a:xfrm rot="16200000">
+            <a:off x="4080845" y="2741684"/>
+            <a:ext cx="152744" cy="341515"/>
+          </a:xfrm>
+          <a:prstGeom prst="downArrow">
+            <a:avLst/>
+          </a:prstGeom>
+          <a:solidFill>
+            <a:schemeClr val="tx1">
+              <a:lumMod val="50000"/>
+              <a:lumOff val="50000"/>
+            </a:schemeClr>
+          </a:solidFill>
+          <a:ln>
+            <a:noFill/>
+          </a:ln>
+        </p:spPr>
+        <p:style>
+          <a:lnRef idx="2">
+            <a:schemeClr val="accent1">
+              <a:shade val="50000"/>
+            </a:schemeClr>
+          </a:lnRef>
+          <a:fillRef idx="1">
+            <a:schemeClr val="accent1"/>
+          </a:fillRef>
+          <a:effectRef idx="0">
+            <a:schemeClr val="accent1"/>
+          </a:effectRef>
+          <a:fontRef idx="minor">
+            <a:schemeClr val="lt1"/>
+          </a:fontRef>
+        </p:style>
+        <p:txBody>
+          <a:bodyPr rtlCol="0" anchor="ctr"/>
+          <a:lstStyle/>
+          <a:p>
+            <a:pPr algn="ctr"/>
+            <a:endParaRPr lang="en-US"/>
+          </a:p>
+        </p:txBody>
+      </p:sp>
+      <p:sp>
+        <p:nvSpPr>
+          <p:cNvPr id="17" name="箭头: 下 16">
+            <a:extLst>
+              <a:ext uri="{FF2B5EF4-FFF2-40B4-BE49-F238E27FC236}">
+                <a16:creationId xmlns:a16="http://schemas.microsoft.com/office/drawing/2014/main" id="{AF639E48-E69C-4993-9018-A3E0441B5CED}"/>
+              </a:ext>
+            </a:extLst>
+          </p:cNvPr>
+          <p:cNvSpPr/>
+          <p:nvPr/>
+        </p:nvSpPr>
+        <p:spPr>
+          <a:xfrm rot="16200000">
+            <a:off x="5781114" y="2246315"/>
+            <a:ext cx="234385" cy="193322"/>
+          </a:xfrm>
+          <a:prstGeom prst="downArrow">
+            <a:avLst/>
+          </a:prstGeom>
+          <a:solidFill>
+            <a:schemeClr val="tx1">
+              <a:lumMod val="50000"/>
+              <a:lumOff val="50000"/>
+            </a:schemeClr>
+          </a:solidFill>
+          <a:ln>
+            <a:noFill/>
+          </a:ln>
+        </p:spPr>
+        <p:style>
+          <a:lnRef idx="2">
+            <a:schemeClr val="accent1">
+              <a:shade val="50000"/>
+            </a:schemeClr>
+          </a:lnRef>
+          <a:fillRef idx="1">
+            <a:schemeClr val="accent1"/>
+          </a:fillRef>
+          <a:effectRef idx="0">
+            <a:schemeClr val="accent1"/>
+          </a:effectRef>
+          <a:fontRef idx="minor">
+            <a:schemeClr val="lt1"/>
+          </a:fontRef>
+        </p:style>
+        <p:txBody>
+          <a:bodyPr rtlCol="0" anchor="ctr"/>
+          <a:lstStyle/>
+          <a:p>
+            <a:pPr algn="ctr"/>
+            <a:endParaRPr lang="en-US"/>
+          </a:p>
+        </p:txBody>
+      </p:sp>
+      <p:sp>
+        <p:nvSpPr>
+          <p:cNvPr id="18" name="箭头: 下 17">
+            <a:extLst>
+              <a:ext uri="{FF2B5EF4-FFF2-40B4-BE49-F238E27FC236}">
+                <a16:creationId xmlns:a16="http://schemas.microsoft.com/office/drawing/2014/main" id="{CBBE7D3D-DBAA-4AF0-AB2C-52896DB200CE}"/>
+              </a:ext>
+            </a:extLst>
+          </p:cNvPr>
+          <p:cNvSpPr/>
+          <p:nvPr/>
+        </p:nvSpPr>
+        <p:spPr>
+          <a:xfrm rot="17954224">
+            <a:off x="7487332" y="2725748"/>
+            <a:ext cx="212639" cy="526131"/>
+          </a:xfrm>
+          <a:prstGeom prst="downArrow">
+            <a:avLst/>
+          </a:prstGeom>
+          <a:solidFill>
+            <a:schemeClr val="tx1">
+              <a:lumMod val="50000"/>
+              <a:lumOff val="50000"/>
+            </a:schemeClr>
+          </a:solidFill>
+          <a:ln>
+            <a:noFill/>
+          </a:ln>
+        </p:spPr>
+        <p:style>
+          <a:lnRef idx="2">
+            <a:schemeClr val="accent1">
+              <a:shade val="50000"/>
+            </a:schemeClr>
+          </a:lnRef>
+          <a:fillRef idx="1">
+            <a:schemeClr val="accent1"/>
+          </a:fillRef>
+          <a:effectRef idx="0">
+            <a:schemeClr val="accent1"/>
+          </a:effectRef>
+          <a:fontRef idx="minor">
+            <a:schemeClr val="lt1"/>
+          </a:fontRef>
+        </p:style>
+        <p:txBody>
+          <a:bodyPr rtlCol="0" anchor="ctr"/>
+          <a:lstStyle/>
+          <a:p>
+            <a:pPr algn="ctr"/>
+            <a:endParaRPr lang="en-US"/>
+          </a:p>
+        </p:txBody>
+      </p:sp>
+      <p:sp>
+        <p:nvSpPr>
+          <p:cNvPr id="19" name="箭头: 下 18">
+            <a:extLst>
+              <a:ext uri="{FF2B5EF4-FFF2-40B4-BE49-F238E27FC236}">
+                <a16:creationId xmlns:a16="http://schemas.microsoft.com/office/drawing/2014/main" id="{A0243303-9A8F-43A5-97CE-CA131B5FB39A}"/>
+              </a:ext>
+            </a:extLst>
+          </p:cNvPr>
+          <p:cNvSpPr/>
+          <p:nvPr/>
+        </p:nvSpPr>
+        <p:spPr>
+          <a:xfrm rot="14494237">
+            <a:off x="7465774" y="1301197"/>
+            <a:ext cx="217201" cy="542831"/>
+          </a:xfrm>
+          <a:prstGeom prst="downArrow">
+            <a:avLst/>
+          </a:prstGeom>
+          <a:noFill/>
+          <a:ln>
+            <a:solidFill>
+              <a:schemeClr val="tx2"/>
+            </a:solidFill>
+          </a:ln>
+        </p:spPr>
+        <p:style>
+          <a:lnRef idx="2">
+            <a:schemeClr val="accent1">
+              <a:shade val="50000"/>
+            </a:schemeClr>
+          </a:lnRef>
+          <a:fillRef idx="1">
+            <a:schemeClr val="accent1"/>
+          </a:fillRef>
+          <a:effectRef idx="0">
+            <a:schemeClr val="accent1"/>
+          </a:effectRef>
+          <a:fontRef idx="minor">
+            <a:schemeClr val="lt1"/>
+          </a:fontRef>
+        </p:style>
+        <p:txBody>
+          <a:bodyPr rtlCol="0" anchor="ctr"/>
+          <a:lstStyle/>
+          <a:p>
+            <a:pPr algn="ctr"/>
+            <a:endParaRPr lang="en-US"/>
+          </a:p>
+        </p:txBody>
+      </p:sp>
+      <p:sp>
+        <p:nvSpPr>
+          <p:cNvPr id="20" name="箭头: 下 19">
+            <a:extLst>
+              <a:ext uri="{FF2B5EF4-FFF2-40B4-BE49-F238E27FC236}">
+                <a16:creationId xmlns:a16="http://schemas.microsoft.com/office/drawing/2014/main" id="{50785BB7-0179-491B-8531-CB1B5969B4B0}"/>
+              </a:ext>
+            </a:extLst>
+          </p:cNvPr>
+          <p:cNvSpPr/>
+          <p:nvPr/>
+        </p:nvSpPr>
+        <p:spPr>
+          <a:xfrm>
+            <a:off x="8545285" y="2170800"/>
+            <a:ext cx="195943" cy="316237"/>
+          </a:xfrm>
+          <a:prstGeom prst="downArrow">
+            <a:avLst/>
+          </a:prstGeom>
+          <a:noFill/>
+          <a:ln>
+            <a:solidFill>
+              <a:schemeClr val="tx2"/>
+            </a:solidFill>
+          </a:ln>
+        </p:spPr>
+        <p:style>
+          <a:lnRef idx="2">
+            <a:schemeClr val="accent1">
+              <a:shade val="50000"/>
+            </a:schemeClr>
+          </a:lnRef>
+          <a:fillRef idx="1">
+            <a:schemeClr val="accent1"/>
+          </a:fillRef>
+          <a:effectRef idx="0">
+            <a:schemeClr val="accent1"/>
+          </a:effectRef>
+          <a:fontRef idx="minor">
+            <a:schemeClr val="lt1"/>
+          </a:fontRef>
+        </p:style>
+        <p:txBody>
+          <a:bodyPr rtlCol="0" anchor="ctr"/>
+          <a:lstStyle/>
+          <a:p>
+            <a:pPr algn="ctr"/>
+            <a:endParaRPr lang="en-US"/>
+          </a:p>
+        </p:txBody>
+      </p:sp>
+      <p:sp>
+        <p:nvSpPr>
+          <p:cNvPr id="21" name="箭头: 下 20">
+            <a:extLst>
+              <a:ext uri="{FF2B5EF4-FFF2-40B4-BE49-F238E27FC236}">
+                <a16:creationId xmlns:a16="http://schemas.microsoft.com/office/drawing/2014/main" id="{5BEE87F5-960D-4AFE-8858-AE4E35F9F5B1}"/>
+              </a:ext>
+            </a:extLst>
+          </p:cNvPr>
+          <p:cNvSpPr/>
+          <p:nvPr/>
+        </p:nvSpPr>
+        <p:spPr>
+          <a:xfrm rot="16200000">
+            <a:off x="9625515" y="2754263"/>
+            <a:ext cx="242445" cy="406057"/>
+          </a:xfrm>
+          <a:prstGeom prst="downArrow">
+            <a:avLst/>
+          </a:prstGeom>
+          <a:solidFill>
+            <a:schemeClr val="tx1">
+              <a:lumMod val="50000"/>
+              <a:lumOff val="50000"/>
+            </a:schemeClr>
+          </a:solidFill>
+          <a:ln>
+            <a:noFill/>
+          </a:ln>
+        </p:spPr>
+        <p:style>
+          <a:lnRef idx="2">
+            <a:schemeClr val="accent1">
+              <a:shade val="50000"/>
+            </a:schemeClr>
+          </a:lnRef>
+          <a:fillRef idx="1">
+            <a:schemeClr val="accent1"/>
+          </a:fillRef>
+          <a:effectRef idx="0">
+            <a:schemeClr val="accent1"/>
+          </a:effectRef>
+          <a:fontRef idx="minor">
+            <a:schemeClr val="lt1"/>
+          </a:fontRef>
+        </p:style>
+        <p:txBody>
+          <a:bodyPr rtlCol="0" anchor="ctr"/>
+          <a:lstStyle/>
+          <a:p>
+            <a:pPr algn="ctr"/>
+            <a:endParaRPr lang="en-US"/>
+          </a:p>
+        </p:txBody>
+      </p:sp>
+      <p:sp>
+        <p:nvSpPr>
+          <p:cNvPr id="23" name="矩形: 圆角 22">
+            <a:extLst>
+              <a:ext uri="{FF2B5EF4-FFF2-40B4-BE49-F238E27FC236}">
+                <a16:creationId xmlns:a16="http://schemas.microsoft.com/office/drawing/2014/main" id="{100FAF06-A685-44B3-B505-D0BB0F84E27B}"/>
+              </a:ext>
+            </a:extLst>
+          </p:cNvPr>
+          <p:cNvSpPr/>
+          <p:nvPr/>
+        </p:nvSpPr>
+        <p:spPr>
+          <a:xfrm>
+            <a:off x="76200" y="522514"/>
+            <a:ext cx="11963400" cy="3461657"/>
+          </a:xfrm>
+          <a:prstGeom prst="roundRect">
+            <a:avLst/>
+          </a:prstGeom>
+          <a:noFill/>
+          <a:ln w="9525" cap="flat" cmpd="sng" algn="ctr">
+            <a:solidFill>
+              <a:schemeClr val="dk1">
+                <a:alpha val="50000"/>
+              </a:schemeClr>
+            </a:solidFill>
+            <a:prstDash val="dash"/>
+            <a:round/>
+            <a:headEnd type="none" w="med" len="med"/>
+            <a:tailEnd type="none" w="med" len="med"/>
+          </a:ln>
+        </p:spPr>
+        <p:style>
+          <a:lnRef idx="0">
+            <a:scrgbClr r="0" g="0" b="0"/>
+          </a:lnRef>
+          <a:fillRef idx="0">
+            <a:scrgbClr r="0" g="0" b="0"/>
+          </a:fillRef>
+          <a:effectRef idx="0">
+            <a:scrgbClr r="0" g="0" b="0"/>
+          </a:effectRef>
+          <a:fontRef idx="minor">
+            <a:schemeClr val="dk1"/>
+          </a:fontRef>
+        </p:style>
+        <p:txBody>
+          <a:bodyPr rtlCol="0" anchor="ctr"/>
+          <a:lstStyle/>
+          <a:p>
+            <a:pPr algn="ctr"/>
+            <a:endParaRPr lang="en-US" dirty="0"/>
+          </a:p>
+        </p:txBody>
+      </p:sp>
+      <p:sp>
+        <p:nvSpPr>
+          <p:cNvPr id="24" name="矩形: 圆角 23">
+            <a:extLst>
+              <a:ext uri="{FF2B5EF4-FFF2-40B4-BE49-F238E27FC236}">
+                <a16:creationId xmlns:a16="http://schemas.microsoft.com/office/drawing/2014/main" id="{23BE6F3B-DF53-412A-A110-8FCA2D1AC191}"/>
+              </a:ext>
+            </a:extLst>
+          </p:cNvPr>
+          <p:cNvSpPr/>
+          <p:nvPr/>
+        </p:nvSpPr>
+        <p:spPr>
+          <a:xfrm>
+            <a:off x="7663104" y="670808"/>
+            <a:ext cx="1880606" cy="1789361"/>
+          </a:xfrm>
+          <a:prstGeom prst="roundRect">
+            <a:avLst/>
+          </a:prstGeom>
+          <a:noFill/>
+          <a:ln w="9525" cap="flat" cmpd="sng" algn="ctr">
+            <a:solidFill>
+              <a:schemeClr val="dk1">
+                <a:alpha val="50000"/>
+              </a:schemeClr>
+            </a:solidFill>
+            <a:prstDash val="dash"/>
+            <a:round/>
+            <a:headEnd type="none" w="med" len="med"/>
+            <a:tailEnd type="none" w="med" len="med"/>
+          </a:ln>
+        </p:spPr>
+        <p:style>
+          <a:lnRef idx="0">
+            <a:scrgbClr r="0" g="0" b="0"/>
+          </a:lnRef>
+          <a:fillRef idx="0">
+            <a:scrgbClr r="0" g="0" b="0"/>
+          </a:fillRef>
+          <a:effectRef idx="0">
+            <a:scrgbClr r="0" g="0" b="0"/>
+          </a:effectRef>
+          <a:fontRef idx="minor">
+            <a:schemeClr val="dk1"/>
+          </a:fontRef>
+        </p:style>
+        <p:txBody>
+          <a:bodyPr rtlCol="0" anchor="ctr"/>
+          <a:lstStyle/>
+          <a:p>
+            <a:pPr algn="ctr"/>
+            <a:endParaRPr lang="en-US" dirty="0"/>
+          </a:p>
+        </p:txBody>
+      </p:sp>
+      <p:sp>
+        <p:nvSpPr>
+          <p:cNvPr id="25" name="椭圆 24">
+            <a:extLst>
+              <a:ext uri="{FF2B5EF4-FFF2-40B4-BE49-F238E27FC236}">
+                <a16:creationId xmlns:a16="http://schemas.microsoft.com/office/drawing/2014/main" id="{986CA8D9-3215-49D8-AB00-FB950155F286}"/>
+              </a:ext>
+            </a:extLst>
+          </p:cNvPr>
+          <p:cNvSpPr/>
+          <p:nvPr/>
+        </p:nvSpPr>
+        <p:spPr>
+          <a:xfrm>
+            <a:off x="718457" y="670808"/>
+            <a:ext cx="359229" cy="359229"/>
+          </a:xfrm>
+          <a:prstGeom prst="ellipse">
+            <a:avLst/>
+          </a:prstGeom>
+          <a:noFill/>
+          <a:ln w="9525" cap="flat" cmpd="sng" algn="ctr">
+            <a:solidFill>
+              <a:schemeClr val="dk1"/>
+            </a:solidFill>
+            <a:prstDash val="solid"/>
+            <a:round/>
+            <a:headEnd type="none" w="med" len="med"/>
+            <a:tailEnd type="none" w="med" len="med"/>
+          </a:ln>
+        </p:spPr>
+        <p:style>
+          <a:lnRef idx="0">
+            <a:scrgbClr r="0" g="0" b="0"/>
+          </a:lnRef>
+          <a:fillRef idx="0">
+            <a:scrgbClr r="0" g="0" b="0"/>
+          </a:fillRef>
+          <a:effectRef idx="0">
+            <a:scrgbClr r="0" g="0" b="0"/>
+          </a:effectRef>
+          <a:fontRef idx="minor">
+            <a:schemeClr val="dk1"/>
+          </a:fontRef>
+        </p:style>
+        <p:txBody>
+          <a:bodyPr rtlCol="0" anchor="ctr"/>
+          <a:lstStyle/>
+          <a:p>
+            <a:pPr algn="ctr"/>
+            <a:r>
+              <a:rPr lang="en-US" dirty="0"/>
+              <a:t>1</a:t>
+            </a:r>
+          </a:p>
+        </p:txBody>
+      </p:sp>
+      <p:sp>
+        <p:nvSpPr>
+          <p:cNvPr id="26" name="椭圆 25">
+            <a:extLst>
+              <a:ext uri="{FF2B5EF4-FFF2-40B4-BE49-F238E27FC236}">
+                <a16:creationId xmlns:a16="http://schemas.microsoft.com/office/drawing/2014/main" id="{BDFA3014-AEA4-4B33-A4CA-7BF2F840CE1B}"/>
+              </a:ext>
+            </a:extLst>
+          </p:cNvPr>
+          <p:cNvSpPr/>
+          <p:nvPr/>
+        </p:nvSpPr>
+        <p:spPr>
+          <a:xfrm>
+            <a:off x="7875134" y="722691"/>
+            <a:ext cx="359229" cy="359229"/>
+          </a:xfrm>
+          <a:prstGeom prst="ellipse">
+            <a:avLst/>
+          </a:prstGeom>
+          <a:noFill/>
+          <a:ln w="9525" cap="flat" cmpd="sng" algn="ctr">
+            <a:solidFill>
+              <a:schemeClr val="dk1"/>
+            </a:solidFill>
+            <a:prstDash val="solid"/>
+            <a:round/>
+            <a:headEnd type="none" w="med" len="med"/>
+            <a:tailEnd type="none" w="med" len="med"/>
+          </a:ln>
+        </p:spPr>
+        <p:style>
+          <a:lnRef idx="0">
+            <a:scrgbClr r="0" g="0" b="0"/>
+          </a:lnRef>
+          <a:fillRef idx="0">
+            <a:scrgbClr r="0" g="0" b="0"/>
+          </a:fillRef>
+          <a:effectRef idx="0">
+            <a:scrgbClr r="0" g="0" b="0"/>
+          </a:effectRef>
+          <a:fontRef idx="minor">
+            <a:schemeClr val="dk1"/>
+          </a:fontRef>
+        </p:style>
+        <p:txBody>
+          <a:bodyPr rtlCol="0" anchor="ctr"/>
+          <a:lstStyle/>
+          <a:p>
+            <a:pPr algn="ctr"/>
+            <a:r>
+              <a:rPr lang="en-US" dirty="0"/>
+              <a:t>2</a:t>
+            </a:r>
           </a:p>
         </p:txBody>
       </p:sp>
